--- a/Doc/ES1기_박성환_프로젝트 제안서_수정1차.pptx
+++ b/Doc/ES1기_박성환_프로젝트 제안서_수정1차.pptx
@@ -171,14 +171,6 @@
 </p:presentation>
 </file>
 
-<file path=ppt/revisionInfo.xml><?xml version="1.0" encoding="utf-8"?>
-<p1510:revInfo xmlns:a="http://schemas.openxmlformats.org/drawingml/2006/main" xmlns:r="http://schemas.openxmlformats.org/officeDocument/2006/relationships" xmlns:p1510="http://schemas.microsoft.com/office/powerpoint/2015/10/main">
-  <p1510:revLst>
-    <p1510:client id="{5229FF0E-4D1E-4F34-928C-71407D69C2E6}" v="325" dt="2020-12-09T01:59:37.710"/>
-  </p1510:revLst>
-</p1510:revInfo>
-</file>
-
 <file path=ppt/changesInfos/changesInfo1.xml><?xml version="1.0" encoding="utf-8"?>
 <pc:chgInfo xmlns:a="http://schemas.openxmlformats.org/drawingml/2006/main" xmlns:r="http://schemas.openxmlformats.org/officeDocument/2006/relationships" xmlns:ac="http://schemas.microsoft.com/office/drawing/2013/main/command" xmlns:pc="http://schemas.microsoft.com/office/powerpoint/2013/main/command">
   <pc:docChgLst>
@@ -1839,6 +1831,46 @@
             <ac:picMk id="5" creationId="{AB365599-A75D-4629-A0A4-8E97D3368228}"/>
           </ac:picMkLst>
         </pc:picChg>
+      </pc:sldChg>
+    </pc:docChg>
+  </pc:docChgLst>
+  <pc:docChgLst>
+    <pc:chgData name="Park Sunghwan" userId="8cf89178bfa7823e" providerId="LiveId" clId="{E03B79E8-51D9-4405-9969-0AF65CFF1E75}"/>
+    <pc:docChg chg="modSld">
+      <pc:chgData name="Park Sunghwan" userId="8cf89178bfa7823e" providerId="LiveId" clId="{E03B79E8-51D9-4405-9969-0AF65CFF1E75}" dt="2021-03-10T12:49:19.496" v="3" actId="14100"/>
+      <pc:docMkLst>
+        <pc:docMk/>
+      </pc:docMkLst>
+      <pc:sldChg chg="modSp mod">
+        <pc:chgData name="Park Sunghwan" userId="8cf89178bfa7823e" providerId="LiveId" clId="{E03B79E8-51D9-4405-9969-0AF65CFF1E75}" dt="2021-03-10T12:49:19.496" v="3" actId="14100"/>
+        <pc:sldMkLst>
+          <pc:docMk/>
+          <pc:sldMk cId="507827830" sldId="289"/>
+        </pc:sldMkLst>
+        <pc:cxnChg chg="mod">
+          <ac:chgData name="Park Sunghwan" userId="8cf89178bfa7823e" providerId="LiveId" clId="{E03B79E8-51D9-4405-9969-0AF65CFF1E75}" dt="2021-03-10T12:49:19.496" v="3" actId="14100"/>
+          <ac:cxnSpMkLst>
+            <pc:docMk/>
+            <pc:sldMk cId="507827830" sldId="289"/>
+            <ac:cxnSpMk id="26" creationId="{1CFD8C0B-5C5D-468C-9C63-C122DC7481D7}"/>
+          </ac:cxnSpMkLst>
+        </pc:cxnChg>
+        <pc:cxnChg chg="mod">
+          <ac:chgData name="Park Sunghwan" userId="8cf89178bfa7823e" providerId="LiveId" clId="{E03B79E8-51D9-4405-9969-0AF65CFF1E75}" dt="2021-03-10T12:49:05.176" v="1" actId="1076"/>
+          <ac:cxnSpMkLst>
+            <pc:docMk/>
+            <pc:sldMk cId="507827830" sldId="289"/>
+            <ac:cxnSpMk id="29" creationId="{91E8D2A9-3D0F-48BC-AFDE-0E7B361BAC95}"/>
+          </ac:cxnSpMkLst>
+        </pc:cxnChg>
+        <pc:cxnChg chg="mod">
+          <ac:chgData name="Park Sunghwan" userId="8cf89178bfa7823e" providerId="LiveId" clId="{E03B79E8-51D9-4405-9969-0AF65CFF1E75}" dt="2021-03-10T12:48:59.904" v="0" actId="1076"/>
+          <ac:cxnSpMkLst>
+            <pc:docMk/>
+            <pc:sldMk cId="507827830" sldId="289"/>
+            <ac:cxnSpMk id="31" creationId="{5C0D70E2-62DC-4D70-B968-581D78C4D4EF}"/>
+          </ac:cxnSpMkLst>
+        </pc:cxnChg>
       </pc:sldChg>
     </pc:docChg>
   </pc:docChgLst>
@@ -4139,7 +4171,7 @@
           <a:p>
             <a:fld id="{7A88354E-929F-48FF-9C9B-9EB6DFAC9EE4}" type="datetimeFigureOut">
               <a:rPr lang="ko-KR" altLang="en-US" smtClean="0"/>
-              <a:t>2020-12-08</a:t>
+              <a:t>2021-03-10</a:t>
             </a:fld>
             <a:endParaRPr lang="ko-KR" altLang="en-US"/>
           </a:p>
@@ -4304,7 +4336,7 @@
           <a:p>
             <a:fld id="{3FCF5E42-81F1-F540-9B2F-54BA090D7002}" type="datetimeFigureOut">
               <a:rPr kumimoji="1" lang="ko-KR" altLang="en-US" smtClean="0"/>
-              <a:t>2020-12-08</a:t>
+              <a:t>2021-03-10</a:t>
             </a:fld>
             <a:endParaRPr kumimoji="1" lang="ko-KR" altLang="en-US"/>
           </a:p>
@@ -5867,7 +5899,7 @@
           <a:p>
             <a:fld id="{BF56E722-2EAF-1942-8105-B75FA12B9372}" type="datetimeFigureOut">
               <a:rPr kumimoji="1" lang="ko-KR" altLang="en-US" smtClean="0"/>
-              <a:t>2020-12-08</a:t>
+              <a:t>2021-03-10</a:t>
             </a:fld>
             <a:endParaRPr kumimoji="1" lang="ko-KR" altLang="en-US"/>
           </a:p>
@@ -6119,7 +6151,7 @@
           <a:p>
             <a:fld id="{BF56E722-2EAF-1942-8105-B75FA12B9372}" type="datetimeFigureOut">
               <a:rPr kumimoji="1" lang="ko-KR" altLang="en-US" smtClean="0"/>
-              <a:t>2020-12-08</a:t>
+              <a:t>2021-03-10</a:t>
             </a:fld>
             <a:endParaRPr kumimoji="1" lang="ko-KR" altLang="en-US"/>
           </a:p>
@@ -9671,8 +9703,8 @@
         </p:nvCxnSpPr>
         <p:spPr>
           <a:xfrm>
-            <a:off x="4560071" y="3565905"/>
-            <a:ext cx="666556" cy="0"/>
+            <a:off x="4549394" y="3655357"/>
+            <a:ext cx="1129790" cy="0"/>
           </a:xfrm>
           <a:prstGeom prst="straightConnector1">
             <a:avLst/>
@@ -9715,7 +9747,7 @@
         </p:nvCxnSpPr>
         <p:spPr>
           <a:xfrm>
-            <a:off x="4560071" y="4030032"/>
+            <a:off x="5623609" y="4079728"/>
             <a:ext cx="1341965" cy="0"/>
           </a:xfrm>
           <a:prstGeom prst="straightConnector1">
@@ -9759,7 +9791,7 @@
         </p:nvCxnSpPr>
         <p:spPr>
           <a:xfrm>
-            <a:off x="5902036" y="4452596"/>
+            <a:off x="6965523" y="4482413"/>
             <a:ext cx="384464" cy="0"/>
           </a:xfrm>
           <a:prstGeom prst="straightConnector1">
